--- a/讲义/ppt.pptx
+++ b/讲义/ppt.pptx
@@ -261,7 +261,7 @@
           <a:p>
             <a:fld id="{54D8E8BF-6091-4187-9128-2A9871D362A1}" type="datetimeFigureOut">
               <a:rPr lang="zh-CN" altLang="en-US" smtClean="0"/>
-              <a:t>2020/2/21</a:t>
+              <a:t>2020/2/26</a:t>
             </a:fld>
             <a:endParaRPr lang="zh-CN" altLang="en-US"/>
           </a:p>
@@ -459,7 +459,7 @@
           <a:p>
             <a:fld id="{54D8E8BF-6091-4187-9128-2A9871D362A1}" type="datetimeFigureOut">
               <a:rPr lang="zh-CN" altLang="en-US" smtClean="0"/>
-              <a:t>2020/2/21</a:t>
+              <a:t>2020/2/26</a:t>
             </a:fld>
             <a:endParaRPr lang="zh-CN" altLang="en-US"/>
           </a:p>
@@ -667,7 +667,7 @@
           <a:p>
             <a:fld id="{54D8E8BF-6091-4187-9128-2A9871D362A1}" type="datetimeFigureOut">
               <a:rPr lang="zh-CN" altLang="en-US" smtClean="0"/>
-              <a:t>2020/2/21</a:t>
+              <a:t>2020/2/26</a:t>
             </a:fld>
             <a:endParaRPr lang="zh-CN" altLang="en-US"/>
           </a:p>
@@ -865,7 +865,7 @@
           <a:p>
             <a:fld id="{54D8E8BF-6091-4187-9128-2A9871D362A1}" type="datetimeFigureOut">
               <a:rPr lang="zh-CN" altLang="en-US" smtClean="0"/>
-              <a:t>2020/2/21</a:t>
+              <a:t>2020/2/26</a:t>
             </a:fld>
             <a:endParaRPr lang="zh-CN" altLang="en-US"/>
           </a:p>
@@ -1140,7 +1140,7 @@
           <a:p>
             <a:fld id="{54D8E8BF-6091-4187-9128-2A9871D362A1}" type="datetimeFigureOut">
               <a:rPr lang="zh-CN" altLang="en-US" smtClean="0"/>
-              <a:t>2020/2/21</a:t>
+              <a:t>2020/2/26</a:t>
             </a:fld>
             <a:endParaRPr lang="zh-CN" altLang="en-US"/>
           </a:p>
@@ -1405,7 +1405,7 @@
           <a:p>
             <a:fld id="{54D8E8BF-6091-4187-9128-2A9871D362A1}" type="datetimeFigureOut">
               <a:rPr lang="zh-CN" altLang="en-US" smtClean="0"/>
-              <a:t>2020/2/21</a:t>
+              <a:t>2020/2/26</a:t>
             </a:fld>
             <a:endParaRPr lang="zh-CN" altLang="en-US"/>
           </a:p>
@@ -1817,7 +1817,7 @@
           <a:p>
             <a:fld id="{54D8E8BF-6091-4187-9128-2A9871D362A1}" type="datetimeFigureOut">
               <a:rPr lang="zh-CN" altLang="en-US" smtClean="0"/>
-              <a:t>2020/2/21</a:t>
+              <a:t>2020/2/26</a:t>
             </a:fld>
             <a:endParaRPr lang="zh-CN" altLang="en-US"/>
           </a:p>
@@ -1958,7 +1958,7 @@
           <a:p>
             <a:fld id="{54D8E8BF-6091-4187-9128-2A9871D362A1}" type="datetimeFigureOut">
               <a:rPr lang="zh-CN" altLang="en-US" smtClean="0"/>
-              <a:t>2020/2/21</a:t>
+              <a:t>2020/2/26</a:t>
             </a:fld>
             <a:endParaRPr lang="zh-CN" altLang="en-US"/>
           </a:p>
@@ -2071,7 +2071,7 @@
           <a:p>
             <a:fld id="{54D8E8BF-6091-4187-9128-2A9871D362A1}" type="datetimeFigureOut">
               <a:rPr lang="zh-CN" altLang="en-US" smtClean="0"/>
-              <a:t>2020/2/21</a:t>
+              <a:t>2020/2/26</a:t>
             </a:fld>
             <a:endParaRPr lang="zh-CN" altLang="en-US"/>
           </a:p>
@@ -2382,7 +2382,7 @@
           <a:p>
             <a:fld id="{54D8E8BF-6091-4187-9128-2A9871D362A1}" type="datetimeFigureOut">
               <a:rPr lang="zh-CN" altLang="en-US" smtClean="0"/>
-              <a:t>2020/2/21</a:t>
+              <a:t>2020/2/26</a:t>
             </a:fld>
             <a:endParaRPr lang="zh-CN" altLang="en-US"/>
           </a:p>
@@ -2670,7 +2670,7 @@
           <a:p>
             <a:fld id="{54D8E8BF-6091-4187-9128-2A9871D362A1}" type="datetimeFigureOut">
               <a:rPr lang="zh-CN" altLang="en-US" smtClean="0"/>
-              <a:t>2020/2/21</a:t>
+              <a:t>2020/2/26</a:t>
             </a:fld>
             <a:endParaRPr lang="zh-CN" altLang="en-US"/>
           </a:p>
@@ -2911,7 +2911,7 @@
           <a:p>
             <a:fld id="{54D8E8BF-6091-4187-9128-2A9871D362A1}" type="datetimeFigureOut">
               <a:rPr lang="zh-CN" altLang="en-US" smtClean="0"/>
-              <a:t>2020/2/21</a:t>
+              <a:t>2020/2/26</a:t>
             </a:fld>
             <a:endParaRPr lang="zh-CN" altLang="en-US"/>
           </a:p>
@@ -5567,7 +5567,7 @@
         </p:nvSpPr>
         <p:spPr>
           <a:xfrm>
-            <a:off x="7249928" y="3857901"/>
+            <a:off x="6939071" y="3750415"/>
             <a:ext cx="1261884" cy="461665"/>
           </a:xfrm>
           <a:prstGeom prst="rect">

--- a/讲义/ppt.pptx
+++ b/讲义/ppt.pptx
@@ -5,9 +5,10 @@
     <p:sldMasterId id="2147483648" r:id="rId1"/>
   </p:sldMasterIdLst>
   <p:sldIdLst>
-    <p:sldId id="256" r:id="rId2"/>
-    <p:sldId id="257" r:id="rId3"/>
-    <p:sldId id="258" r:id="rId4"/>
+    <p:sldId id="259" r:id="rId2"/>
+    <p:sldId id="256" r:id="rId3"/>
+    <p:sldId id="257" r:id="rId4"/>
+    <p:sldId id="258" r:id="rId5"/>
   </p:sldIdLst>
   <p:sldSz cx="12192000" cy="6858000"/>
   <p:notesSz cx="6858000" cy="9144000"/>
@@ -3330,10 +3331,190 @@
       </p:grpSpPr>
       <p:sp>
         <p:nvSpPr>
+          <p:cNvPr id="34" name="矩形: 圆角 33">
+            <a:extLst>
+              <a:ext uri="{FF2B5EF4-FFF2-40B4-BE49-F238E27FC236}">
+                <a16:creationId xmlns:a16="http://schemas.microsoft.com/office/drawing/2014/main" id="{F8318425-7146-4847-861D-C4D663B66667}"/>
+              </a:ext>
+            </a:extLst>
+          </p:cNvPr>
+          <p:cNvSpPr/>
+          <p:nvPr/>
+        </p:nvSpPr>
+        <p:spPr>
+          <a:xfrm>
+            <a:off x="168582" y="131774"/>
+            <a:ext cx="5896780" cy="1236859"/>
+          </a:xfrm>
+          <a:prstGeom prst="roundRect">
+            <a:avLst>
+              <a:gd name="adj" fmla="val 8441"/>
+            </a:avLst>
+          </a:prstGeom>
+        </p:spPr>
+        <p:style>
+          <a:lnRef idx="2">
+            <a:schemeClr val="accent6"/>
+          </a:lnRef>
+          <a:fillRef idx="1">
+            <a:schemeClr val="lt1"/>
+          </a:fillRef>
+          <a:effectRef idx="0">
+            <a:schemeClr val="accent6"/>
+          </a:effectRef>
+          <a:fontRef idx="minor">
+            <a:schemeClr val="dk1"/>
+          </a:fontRef>
+        </p:style>
+        <p:txBody>
+          <a:bodyPr rtlCol="0" anchor="ctr"/>
+          <a:lstStyle/>
+          <a:p>
+            <a:pPr algn="ctr"/>
+            <a:endParaRPr lang="zh-CN" altLang="en-US"/>
+          </a:p>
+        </p:txBody>
+      </p:sp>
+      <p:sp>
+        <p:nvSpPr>
+          <p:cNvPr id="33" name="矩形: 圆角 32">
+            <a:extLst>
+              <a:ext uri="{FF2B5EF4-FFF2-40B4-BE49-F238E27FC236}">
+                <a16:creationId xmlns:a16="http://schemas.microsoft.com/office/drawing/2014/main" id="{407005EA-BEC7-4C6E-9439-6FA3E7609F90}"/>
+              </a:ext>
+            </a:extLst>
+          </p:cNvPr>
+          <p:cNvSpPr/>
+          <p:nvPr/>
+        </p:nvSpPr>
+        <p:spPr>
+          <a:xfrm>
+            <a:off x="186906" y="1505932"/>
+            <a:ext cx="3649479" cy="1802619"/>
+          </a:xfrm>
+          <a:prstGeom prst="roundRect">
+            <a:avLst>
+              <a:gd name="adj" fmla="val 8441"/>
+            </a:avLst>
+          </a:prstGeom>
+        </p:spPr>
+        <p:style>
+          <a:lnRef idx="2">
+            <a:schemeClr val="accent6"/>
+          </a:lnRef>
+          <a:fillRef idx="1">
+            <a:schemeClr val="lt1"/>
+          </a:fillRef>
+          <a:effectRef idx="0">
+            <a:schemeClr val="accent6"/>
+          </a:effectRef>
+          <a:fontRef idx="minor">
+            <a:schemeClr val="dk1"/>
+          </a:fontRef>
+        </p:style>
+        <p:txBody>
+          <a:bodyPr rtlCol="0" anchor="ctr"/>
+          <a:lstStyle/>
+          <a:p>
+            <a:pPr algn="ctr"/>
+            <a:endParaRPr lang="zh-CN" altLang="en-US"/>
+          </a:p>
+        </p:txBody>
+      </p:sp>
+      <p:sp>
+        <p:nvSpPr>
+          <p:cNvPr id="32" name="矩形: 圆角 31">
+            <a:extLst>
+              <a:ext uri="{FF2B5EF4-FFF2-40B4-BE49-F238E27FC236}">
+                <a16:creationId xmlns:a16="http://schemas.microsoft.com/office/drawing/2014/main" id="{98704EDC-9887-4B88-AAF6-BCE348C78DCC}"/>
+              </a:ext>
+            </a:extLst>
+          </p:cNvPr>
+          <p:cNvSpPr/>
+          <p:nvPr/>
+        </p:nvSpPr>
+        <p:spPr>
+          <a:xfrm>
+            <a:off x="186906" y="5063187"/>
+            <a:ext cx="7117236" cy="1359172"/>
+          </a:xfrm>
+          <a:prstGeom prst="roundRect">
+            <a:avLst/>
+          </a:prstGeom>
+        </p:spPr>
+        <p:style>
+          <a:lnRef idx="2">
+            <a:schemeClr val="accent6"/>
+          </a:lnRef>
+          <a:fillRef idx="1">
+            <a:schemeClr val="lt1"/>
+          </a:fillRef>
+          <a:effectRef idx="0">
+            <a:schemeClr val="accent6"/>
+          </a:effectRef>
+          <a:fontRef idx="minor">
+            <a:schemeClr val="dk1"/>
+          </a:fontRef>
+        </p:style>
+        <p:txBody>
+          <a:bodyPr rtlCol="0" anchor="ctr"/>
+          <a:lstStyle/>
+          <a:p>
+            <a:pPr algn="ctr"/>
+            <a:endParaRPr lang="zh-CN" altLang="en-US"/>
+          </a:p>
+        </p:txBody>
+      </p:sp>
+      <p:sp>
+        <p:nvSpPr>
+          <p:cNvPr id="31" name="矩形: 圆角 30">
+            <a:extLst>
+              <a:ext uri="{FF2B5EF4-FFF2-40B4-BE49-F238E27FC236}">
+                <a16:creationId xmlns:a16="http://schemas.microsoft.com/office/drawing/2014/main" id="{130D0906-1306-4005-8CDF-310E7886F58D}"/>
+              </a:ext>
+            </a:extLst>
+          </p:cNvPr>
+          <p:cNvSpPr/>
+          <p:nvPr/>
+        </p:nvSpPr>
+        <p:spPr>
+          <a:xfrm>
+            <a:off x="197964" y="3462792"/>
+            <a:ext cx="7117236" cy="1359172"/>
+          </a:xfrm>
+          <a:prstGeom prst="roundRect">
+            <a:avLst/>
+          </a:prstGeom>
+        </p:spPr>
+        <p:style>
+          <a:lnRef idx="2">
+            <a:schemeClr val="accent6"/>
+          </a:lnRef>
+          <a:fillRef idx="1">
+            <a:schemeClr val="lt1"/>
+          </a:fillRef>
+          <a:effectRef idx="0">
+            <a:schemeClr val="accent6"/>
+          </a:effectRef>
+          <a:fontRef idx="minor">
+            <a:schemeClr val="dk1"/>
+          </a:fontRef>
+        </p:style>
+        <p:txBody>
+          <a:bodyPr rtlCol="0" anchor="ctr"/>
+          <a:lstStyle/>
+          <a:p>
+            <a:pPr algn="ctr"/>
+            <a:endParaRPr lang="zh-CN" altLang="en-US"/>
+          </a:p>
+        </p:txBody>
+      </p:sp>
+      <p:sp>
+        <p:nvSpPr>
           <p:cNvPr id="4" name="矩形 3">
             <a:extLst>
               <a:ext uri="{FF2B5EF4-FFF2-40B4-BE49-F238E27FC236}">
-                <a16:creationId xmlns:a16="http://schemas.microsoft.com/office/drawing/2014/main" id="{D3B5C410-128C-4F45-B980-96301381F47C}"/>
+                <a16:creationId xmlns:a16="http://schemas.microsoft.com/office/drawing/2014/main" id="{A99987A7-2933-4EA7-B8EE-32233A4B7F0B}"/>
               </a:ext>
             </a:extLst>
           </p:cNvPr>
@@ -3342,29 +3523,22 @@
         </p:nvSpPr>
         <p:spPr>
           <a:xfrm>
-            <a:off x="1131216" y="817775"/>
-            <a:ext cx="3374795" cy="5222450"/>
+            <a:off x="8135332" y="653790"/>
+            <a:ext cx="3478732" cy="4421529"/>
           </a:xfrm>
           <a:prstGeom prst="rect">
             <a:avLst/>
           </a:prstGeom>
-          <a:effectLst>
-            <a:outerShdw blurRad="50800" dist="38100" dir="10800000" algn="r" rotWithShape="0">
-              <a:prstClr val="black">
-                <a:alpha val="40000"/>
-              </a:prstClr>
-            </a:outerShdw>
-          </a:effectLst>
         </p:spPr>
         <p:style>
-          <a:lnRef idx="1">
-            <a:schemeClr val="accent4"/>
+          <a:lnRef idx="0">
+            <a:schemeClr val="accent3"/>
           </a:lnRef>
           <a:fillRef idx="3">
-            <a:schemeClr val="accent4"/>
+            <a:schemeClr val="accent3"/>
           </a:fillRef>
-          <a:effectRef idx="2">
-            <a:schemeClr val="accent4"/>
+          <a:effectRef idx="3">
+            <a:schemeClr val="accent3"/>
           </a:effectRef>
           <a:fontRef idx="minor">
             <a:schemeClr val="lt1"/>
@@ -3375,16 +3549,20 @@
           <a:lstStyle/>
           <a:p>
             <a:pPr algn="ctr"/>
-            <a:endParaRPr lang="zh-CN" altLang="en-US"/>
-          </a:p>
-        </p:txBody>
-      </p:sp>
-      <p:sp>
-        <p:nvSpPr>
-          <p:cNvPr id="19" name="矩形 18">
-            <a:extLst>
-              <a:ext uri="{FF2B5EF4-FFF2-40B4-BE49-F238E27FC236}">
-                <a16:creationId xmlns:a16="http://schemas.microsoft.com/office/drawing/2014/main" id="{F47BA972-814B-4984-BCE8-0DDB8FF0B1DC}"/>
+            <a:endParaRPr lang="zh-CN" altLang="en-US" sz="3200">
+              <a:solidFill>
+                <a:srgbClr val="002060"/>
+              </a:solidFill>
+            </a:endParaRPr>
+          </a:p>
+        </p:txBody>
+      </p:sp>
+      <p:sp>
+        <p:nvSpPr>
+          <p:cNvPr id="5" name="矩形 4">
+            <a:extLst>
+              <a:ext uri="{FF2B5EF4-FFF2-40B4-BE49-F238E27FC236}">
+                <a16:creationId xmlns:a16="http://schemas.microsoft.com/office/drawing/2014/main" id="{37E9E200-E546-45FE-98CA-663B8EE0B511}"/>
               </a:ext>
             </a:extLst>
           </p:cNvPr>
@@ -3393,24 +3571,22 @@
         </p:nvSpPr>
         <p:spPr>
           <a:xfrm>
-            <a:off x="1310326" y="987475"/>
-            <a:ext cx="2997723" cy="4385803"/>
+            <a:off x="9892012" y="819772"/>
+            <a:ext cx="1338507" cy="374054"/>
           </a:xfrm>
           <a:prstGeom prst="rect">
             <a:avLst/>
           </a:prstGeom>
         </p:spPr>
         <p:style>
-          <a:lnRef idx="2">
-            <a:schemeClr val="accent1">
-              <a:shade val="50000"/>
-            </a:schemeClr>
+          <a:lnRef idx="0">
+            <a:schemeClr val="accent2"/>
           </a:lnRef>
-          <a:fillRef idx="1">
-            <a:schemeClr val="accent1"/>
+          <a:fillRef idx="3">
+            <a:schemeClr val="accent2"/>
           </a:fillRef>
-          <a:effectRef idx="0">
-            <a:schemeClr val="accent1"/>
+          <a:effectRef idx="3">
+            <a:schemeClr val="accent2"/>
           </a:effectRef>
           <a:fontRef idx="minor">
             <a:schemeClr val="lt1"/>
@@ -3421,16 +3597,36 @@
           <a:lstStyle/>
           <a:p>
             <a:pPr algn="ctr"/>
-            <a:endParaRPr lang="zh-CN" altLang="en-US"/>
-          </a:p>
-        </p:txBody>
-      </p:sp>
-      <p:sp>
-        <p:nvSpPr>
-          <p:cNvPr id="8" name="云形 7">
-            <a:extLst>
-              <a:ext uri="{FF2B5EF4-FFF2-40B4-BE49-F238E27FC236}">
-                <a16:creationId xmlns:a16="http://schemas.microsoft.com/office/drawing/2014/main" id="{282163BE-F6FD-4A92-BFC5-8F90E1B8CADA}"/>
+            <a:r>
+              <a:rPr lang="zh-CN" altLang="en-US" sz="1600">
+                <a:solidFill>
+                  <a:srgbClr val="002060"/>
+                </a:solidFill>
+              </a:rPr>
+              <a:t>观察者：</a:t>
+            </a:r>
+            <a:r>
+              <a:rPr lang="en-US" altLang="zh-CN" sz="1600">
+                <a:solidFill>
+                  <a:srgbClr val="002060"/>
+                </a:solidFill>
+              </a:rPr>
+              <a:t>f1</a:t>
+            </a:r>
+            <a:endParaRPr lang="zh-CN" altLang="en-US" sz="1600">
+              <a:solidFill>
+                <a:srgbClr val="002060"/>
+              </a:solidFill>
+            </a:endParaRPr>
+          </a:p>
+        </p:txBody>
+      </p:sp>
+      <p:sp>
+        <p:nvSpPr>
+          <p:cNvPr id="6" name="矩形 5">
+            <a:extLst>
+              <a:ext uri="{FF2B5EF4-FFF2-40B4-BE49-F238E27FC236}">
+                <a16:creationId xmlns:a16="http://schemas.microsoft.com/office/drawing/2014/main" id="{82458568-224D-4558-8049-3833CE5238E3}"/>
               </a:ext>
             </a:extLst>
           </p:cNvPr>
@@ -3439,22 +3635,22 @@
         </p:nvSpPr>
         <p:spPr>
           <a:xfrm>
-            <a:off x="2497320" y="1142937"/>
-            <a:ext cx="1659589" cy="1091918"/>
-          </a:xfrm>
-          <a:prstGeom prst="cloud">
+            <a:off x="9892011" y="1341595"/>
+            <a:ext cx="1338507" cy="374054"/>
+          </a:xfrm>
+          <a:prstGeom prst="rect">
             <a:avLst/>
           </a:prstGeom>
         </p:spPr>
         <p:style>
           <a:lnRef idx="0">
-            <a:schemeClr val="accent4"/>
+            <a:schemeClr val="accent2"/>
           </a:lnRef>
           <a:fillRef idx="3">
-            <a:schemeClr val="accent4"/>
+            <a:schemeClr val="accent2"/>
           </a:fillRef>
           <a:effectRef idx="3">
-            <a:schemeClr val="accent4"/>
+            <a:schemeClr val="accent2"/>
           </a:effectRef>
           <a:fontRef idx="minor">
             <a:schemeClr val="lt1"/>
@@ -3466,27 +3662,35 @@
           <a:p>
             <a:pPr algn="ctr"/>
             <a:r>
-              <a:rPr lang="en-US" altLang="zh-CN"/>
-              <a:t>andriod</a:t>
-            </a:r>
-            <a:r>
-              <a:rPr lang="zh-CN" altLang="en-US"/>
-              <a:t>应用</a:t>
-            </a:r>
-            <a:r>
-              <a:rPr lang="en-US" altLang="zh-CN"/>
-              <a:t>1</a:t>
-            </a:r>
-            <a:endParaRPr lang="zh-CN" altLang="en-US"/>
-          </a:p>
-        </p:txBody>
-      </p:sp>
-      <p:sp>
-        <p:nvSpPr>
-          <p:cNvPr id="14" name="云形 13">
-            <a:extLst>
-              <a:ext uri="{FF2B5EF4-FFF2-40B4-BE49-F238E27FC236}">
-                <a16:creationId xmlns:a16="http://schemas.microsoft.com/office/drawing/2014/main" id="{70B253B9-10B9-4833-AC97-B8D1827AC24E}"/>
+              <a:rPr lang="zh-CN" altLang="en-US" sz="1600">
+                <a:solidFill>
+                  <a:srgbClr val="002060"/>
+                </a:solidFill>
+              </a:rPr>
+              <a:t>观察者：</a:t>
+            </a:r>
+            <a:r>
+              <a:rPr lang="en-US" altLang="zh-CN" sz="1600">
+                <a:solidFill>
+                  <a:srgbClr val="002060"/>
+                </a:solidFill>
+              </a:rPr>
+              <a:t>f2</a:t>
+            </a:r>
+            <a:endParaRPr lang="zh-CN" altLang="en-US" sz="1600">
+              <a:solidFill>
+                <a:srgbClr val="002060"/>
+              </a:solidFill>
+            </a:endParaRPr>
+          </a:p>
+        </p:txBody>
+      </p:sp>
+      <p:sp>
+        <p:nvSpPr>
+          <p:cNvPr id="7" name="矩形 6">
+            <a:extLst>
+              <a:ext uri="{FF2B5EF4-FFF2-40B4-BE49-F238E27FC236}">
+                <a16:creationId xmlns:a16="http://schemas.microsoft.com/office/drawing/2014/main" id="{4FA19DE3-3A69-4C27-9A94-064C5F11865B}"/>
               </a:ext>
             </a:extLst>
           </p:cNvPr>
@@ -3495,22 +3699,22 @@
         </p:nvSpPr>
         <p:spPr>
           <a:xfrm>
-            <a:off x="1471847" y="2775006"/>
-            <a:ext cx="1495547" cy="910873"/>
-          </a:xfrm>
-          <a:prstGeom prst="cloud">
+            <a:off x="10040378" y="3088738"/>
+            <a:ext cx="1338507" cy="374054"/>
+          </a:xfrm>
+          <a:prstGeom prst="rect">
             <a:avLst/>
           </a:prstGeom>
         </p:spPr>
         <p:style>
           <a:lnRef idx="0">
-            <a:schemeClr val="accent4"/>
+            <a:schemeClr val="accent5"/>
           </a:lnRef>
           <a:fillRef idx="3">
-            <a:schemeClr val="accent4"/>
+            <a:schemeClr val="accent5"/>
           </a:fillRef>
           <a:effectRef idx="3">
-            <a:schemeClr val="accent4"/>
+            <a:schemeClr val="accent5"/>
           </a:effectRef>
           <a:fontRef idx="minor">
             <a:schemeClr val="lt1"/>
@@ -3522,27 +3726,22 @@
           <a:p>
             <a:pPr algn="ctr"/>
             <a:r>
-              <a:rPr lang="en-US" altLang="zh-CN"/>
-              <a:t>andriod</a:t>
-            </a:r>
-            <a:r>
-              <a:rPr lang="zh-CN" altLang="en-US"/>
-              <a:t>应用</a:t>
-            </a:r>
-            <a:r>
-              <a:rPr lang="en-US" altLang="zh-CN"/>
-              <a:t>2</a:t>
-            </a:r>
-            <a:endParaRPr lang="zh-CN" altLang="en-US"/>
-          </a:p>
-        </p:txBody>
-      </p:sp>
-      <p:sp>
-        <p:nvSpPr>
-          <p:cNvPr id="17" name="矩形 16">
-            <a:extLst>
-              <a:ext uri="{FF2B5EF4-FFF2-40B4-BE49-F238E27FC236}">
-                <a16:creationId xmlns:a16="http://schemas.microsoft.com/office/drawing/2014/main" id="{314E5ABC-2821-4DCE-93BB-E42E8672D0C6}"/>
+              <a:rPr lang="zh-CN" altLang="en-US" sz="1600">
+                <a:solidFill>
+                  <a:srgbClr val="002060"/>
+                </a:solidFill>
+              </a:rPr>
+              <a:t>观察者</a:t>
+            </a:r>
+          </a:p>
+        </p:txBody>
+      </p:sp>
+      <p:sp>
+        <p:nvSpPr>
+          <p:cNvPr id="8" name="矩形 7">
+            <a:extLst>
+              <a:ext uri="{FF2B5EF4-FFF2-40B4-BE49-F238E27FC236}">
+                <a16:creationId xmlns:a16="http://schemas.microsoft.com/office/drawing/2014/main" id="{D25404B0-F614-4DAD-A057-43F103B86177}"/>
               </a:ext>
             </a:extLst>
           </p:cNvPr>
@@ -3551,13 +3750,721 @@
         </p:nvSpPr>
         <p:spPr>
           <a:xfrm>
-            <a:off x="1238692" y="5555283"/>
-            <a:ext cx="3159839" cy="369332"/>
+            <a:off x="10054968" y="3670396"/>
+            <a:ext cx="1338507" cy="374054"/>
           </a:xfrm>
           <a:prstGeom prst="rect">
             <a:avLst/>
           </a:prstGeom>
         </p:spPr>
+        <p:style>
+          <a:lnRef idx="0">
+            <a:schemeClr val="accent5"/>
+          </a:lnRef>
+          <a:fillRef idx="3">
+            <a:schemeClr val="accent5"/>
+          </a:fillRef>
+          <a:effectRef idx="3">
+            <a:schemeClr val="accent5"/>
+          </a:effectRef>
+          <a:fontRef idx="minor">
+            <a:schemeClr val="lt1"/>
+          </a:fontRef>
+        </p:style>
+        <p:txBody>
+          <a:bodyPr rtlCol="0" anchor="ctr"/>
+          <a:lstStyle/>
+          <a:p>
+            <a:pPr algn="ctr"/>
+            <a:r>
+              <a:rPr lang="en-US" altLang="zh-CN" sz="1600">
+                <a:solidFill>
+                  <a:srgbClr val="002060"/>
+                </a:solidFill>
+              </a:rPr>
+              <a:t>....</a:t>
+            </a:r>
+            <a:endParaRPr lang="zh-CN" altLang="en-US" sz="1600">
+              <a:solidFill>
+                <a:srgbClr val="002060"/>
+              </a:solidFill>
+            </a:endParaRPr>
+          </a:p>
+        </p:txBody>
+      </p:sp>
+      <p:sp>
+        <p:nvSpPr>
+          <p:cNvPr id="9" name="矩形 8">
+            <a:extLst>
+              <a:ext uri="{FF2B5EF4-FFF2-40B4-BE49-F238E27FC236}">
+                <a16:creationId xmlns:a16="http://schemas.microsoft.com/office/drawing/2014/main" id="{C392727A-DE04-41EF-B741-5AE9A9028E4E}"/>
+              </a:ext>
+            </a:extLst>
+          </p:cNvPr>
+          <p:cNvSpPr/>
+          <p:nvPr/>
+        </p:nvSpPr>
+        <p:spPr>
+          <a:xfrm>
+            <a:off x="10040287" y="4181430"/>
+            <a:ext cx="1338507" cy="374054"/>
+          </a:xfrm>
+          <a:prstGeom prst="rect">
+            <a:avLst/>
+          </a:prstGeom>
+        </p:spPr>
+        <p:style>
+          <a:lnRef idx="0">
+            <a:schemeClr val="accent5"/>
+          </a:lnRef>
+          <a:fillRef idx="3">
+            <a:schemeClr val="accent5"/>
+          </a:fillRef>
+          <a:effectRef idx="3">
+            <a:schemeClr val="accent5"/>
+          </a:effectRef>
+          <a:fontRef idx="minor">
+            <a:schemeClr val="lt1"/>
+          </a:fontRef>
+        </p:style>
+        <p:txBody>
+          <a:bodyPr rtlCol="0" anchor="ctr"/>
+          <a:lstStyle/>
+          <a:p>
+            <a:pPr algn="ctr"/>
+            <a:r>
+              <a:rPr lang="zh-CN" altLang="en-US" sz="1600">
+                <a:solidFill>
+                  <a:srgbClr val="002060"/>
+                </a:solidFill>
+              </a:rPr>
+              <a:t>观察者</a:t>
+            </a:r>
+          </a:p>
+        </p:txBody>
+      </p:sp>
+      <p:sp>
+        <p:nvSpPr>
+          <p:cNvPr id="10" name="缺角矩形 9">
+            <a:extLst>
+              <a:ext uri="{FF2B5EF4-FFF2-40B4-BE49-F238E27FC236}">
+                <a16:creationId xmlns:a16="http://schemas.microsoft.com/office/drawing/2014/main" id="{AAB1E68F-5C53-48EA-979B-DDF83F347B24}"/>
+              </a:ext>
+            </a:extLst>
+          </p:cNvPr>
+          <p:cNvSpPr/>
+          <p:nvPr/>
+        </p:nvSpPr>
+        <p:spPr>
+          <a:xfrm>
+            <a:off x="8296779" y="1069219"/>
+            <a:ext cx="1247315" cy="987959"/>
+          </a:xfrm>
+          <a:prstGeom prst="plaque">
+            <a:avLst/>
+          </a:prstGeom>
+        </p:spPr>
+        <p:style>
+          <a:lnRef idx="0">
+            <a:schemeClr val="accent2"/>
+          </a:lnRef>
+          <a:fillRef idx="3">
+            <a:schemeClr val="accent2"/>
+          </a:fillRef>
+          <a:effectRef idx="3">
+            <a:schemeClr val="accent2"/>
+          </a:effectRef>
+          <a:fontRef idx="minor">
+            <a:schemeClr val="lt1"/>
+          </a:fontRef>
+        </p:style>
+        <p:txBody>
+          <a:bodyPr rtlCol="0" anchor="ctr"/>
+          <a:lstStyle/>
+          <a:p>
+            <a:pPr algn="ctr"/>
+            <a:r>
+              <a:rPr lang="en-US" altLang="zh-CN">
+                <a:solidFill>
+                  <a:srgbClr val="002060"/>
+                </a:solidFill>
+              </a:rPr>
+              <a:t>wuhan</a:t>
+            </a:r>
+            <a:endParaRPr lang="zh-CN" altLang="en-US">
+              <a:solidFill>
+                <a:srgbClr val="002060"/>
+              </a:solidFill>
+            </a:endParaRPr>
+          </a:p>
+        </p:txBody>
+      </p:sp>
+      <p:sp>
+        <p:nvSpPr>
+          <p:cNvPr id="11" name="缺角矩形 10">
+            <a:extLst>
+              <a:ext uri="{FF2B5EF4-FFF2-40B4-BE49-F238E27FC236}">
+                <a16:creationId xmlns:a16="http://schemas.microsoft.com/office/drawing/2014/main" id="{881C6BFC-2F22-492F-9FD6-1A723D5A7165}"/>
+              </a:ext>
+            </a:extLst>
+          </p:cNvPr>
+          <p:cNvSpPr/>
+          <p:nvPr/>
+        </p:nvSpPr>
+        <p:spPr>
+          <a:xfrm>
+            <a:off x="8296779" y="3275765"/>
+            <a:ext cx="1350977" cy="987959"/>
+          </a:xfrm>
+          <a:prstGeom prst="plaque">
+            <a:avLst/>
+          </a:prstGeom>
+        </p:spPr>
+        <p:style>
+          <a:lnRef idx="0">
+            <a:schemeClr val="accent5"/>
+          </a:lnRef>
+          <a:fillRef idx="3">
+            <a:schemeClr val="accent5"/>
+          </a:fillRef>
+          <a:effectRef idx="3">
+            <a:schemeClr val="accent5"/>
+          </a:effectRef>
+          <a:fontRef idx="minor">
+            <a:schemeClr val="lt1"/>
+          </a:fontRef>
+        </p:style>
+        <p:txBody>
+          <a:bodyPr rtlCol="0" anchor="ctr"/>
+          <a:lstStyle/>
+          <a:p>
+            <a:pPr algn="ctr"/>
+            <a:r>
+              <a:rPr lang="en-US" altLang="zh-CN">
+                <a:solidFill>
+                  <a:srgbClr val="002060"/>
+                </a:solidFill>
+              </a:rPr>
+              <a:t>beijing</a:t>
+            </a:r>
+            <a:endParaRPr lang="zh-CN" altLang="en-US">
+              <a:solidFill>
+                <a:srgbClr val="002060"/>
+              </a:solidFill>
+            </a:endParaRPr>
+          </a:p>
+        </p:txBody>
+      </p:sp>
+      <p:cxnSp>
+        <p:nvCxnSpPr>
+          <p:cNvPr id="12" name="连接符: 曲线 11">
+            <a:extLst>
+              <a:ext uri="{FF2B5EF4-FFF2-40B4-BE49-F238E27FC236}">
+                <a16:creationId xmlns:a16="http://schemas.microsoft.com/office/drawing/2014/main" id="{8016A1AC-267A-4950-8F5E-ED41D7267F8A}"/>
+              </a:ext>
+            </a:extLst>
+          </p:cNvPr>
+          <p:cNvCxnSpPr>
+            <a:cxnSpLocks/>
+            <a:stCxn id="10" idx="3"/>
+            <a:endCxn id="5" idx="1"/>
+          </p:cNvCxnSpPr>
+          <p:nvPr/>
+        </p:nvCxnSpPr>
+        <p:spPr>
+          <a:xfrm flipV="1">
+            <a:off x="9544094" y="1006799"/>
+            <a:ext cx="347918" cy="556400"/>
+          </a:xfrm>
+          <a:prstGeom prst="curvedConnector3">
+            <a:avLst>
+              <a:gd name="adj1" fmla="val 50000"/>
+            </a:avLst>
+          </a:prstGeom>
+          <a:ln w="38100">
+            <a:tailEnd type="triangle"/>
+          </a:ln>
+        </p:spPr>
+        <p:style>
+          <a:lnRef idx="1">
+            <a:schemeClr val="accent2"/>
+          </a:lnRef>
+          <a:fillRef idx="0">
+            <a:schemeClr val="accent2"/>
+          </a:fillRef>
+          <a:effectRef idx="0">
+            <a:schemeClr val="accent2"/>
+          </a:effectRef>
+          <a:fontRef idx="minor">
+            <a:schemeClr val="tx1"/>
+          </a:fontRef>
+        </p:style>
+      </p:cxnSp>
+      <p:cxnSp>
+        <p:nvCxnSpPr>
+          <p:cNvPr id="13" name="连接符: 曲线 12">
+            <a:extLst>
+              <a:ext uri="{FF2B5EF4-FFF2-40B4-BE49-F238E27FC236}">
+                <a16:creationId xmlns:a16="http://schemas.microsoft.com/office/drawing/2014/main" id="{7E14AF96-2D3D-45E0-8DE8-50852E3D393C}"/>
+              </a:ext>
+            </a:extLst>
+          </p:cNvPr>
+          <p:cNvCxnSpPr>
+            <a:cxnSpLocks/>
+            <a:stCxn id="10" idx="3"/>
+          </p:cNvCxnSpPr>
+          <p:nvPr/>
+        </p:nvCxnSpPr>
+        <p:spPr>
+          <a:xfrm>
+            <a:off x="9544094" y="1563199"/>
+            <a:ext cx="347917" cy="476457"/>
+          </a:xfrm>
+          <a:prstGeom prst="curvedConnector3">
+            <a:avLst>
+              <a:gd name="adj1" fmla="val 50000"/>
+            </a:avLst>
+          </a:prstGeom>
+          <a:ln w="38100">
+            <a:tailEnd type="triangle"/>
+          </a:ln>
+        </p:spPr>
+        <p:style>
+          <a:lnRef idx="1">
+            <a:schemeClr val="accent2"/>
+          </a:lnRef>
+          <a:fillRef idx="0">
+            <a:schemeClr val="accent2"/>
+          </a:fillRef>
+          <a:effectRef idx="0">
+            <a:schemeClr val="accent2"/>
+          </a:effectRef>
+          <a:fontRef idx="minor">
+            <a:schemeClr val="tx1"/>
+          </a:fontRef>
+        </p:style>
+      </p:cxnSp>
+      <p:cxnSp>
+        <p:nvCxnSpPr>
+          <p:cNvPr id="14" name="连接符: 曲线 13">
+            <a:extLst>
+              <a:ext uri="{FF2B5EF4-FFF2-40B4-BE49-F238E27FC236}">
+                <a16:creationId xmlns:a16="http://schemas.microsoft.com/office/drawing/2014/main" id="{11057868-46DC-4114-972A-52B68A73D9F5}"/>
+              </a:ext>
+            </a:extLst>
+          </p:cNvPr>
+          <p:cNvCxnSpPr>
+            <a:cxnSpLocks/>
+            <a:stCxn id="10" idx="3"/>
+            <a:endCxn id="6" idx="1"/>
+          </p:cNvCxnSpPr>
+          <p:nvPr/>
+        </p:nvCxnSpPr>
+        <p:spPr>
+          <a:xfrm flipV="1">
+            <a:off x="9544094" y="1528622"/>
+            <a:ext cx="347917" cy="34577"/>
+          </a:xfrm>
+          <a:prstGeom prst="curvedConnector3">
+            <a:avLst>
+              <a:gd name="adj1" fmla="val 50000"/>
+            </a:avLst>
+          </a:prstGeom>
+          <a:ln w="38100">
+            <a:tailEnd type="triangle"/>
+          </a:ln>
+        </p:spPr>
+        <p:style>
+          <a:lnRef idx="1">
+            <a:schemeClr val="accent2"/>
+          </a:lnRef>
+          <a:fillRef idx="0">
+            <a:schemeClr val="accent2"/>
+          </a:fillRef>
+          <a:effectRef idx="0">
+            <a:schemeClr val="accent2"/>
+          </a:effectRef>
+          <a:fontRef idx="minor">
+            <a:schemeClr val="tx1"/>
+          </a:fontRef>
+        </p:style>
+      </p:cxnSp>
+      <p:cxnSp>
+        <p:nvCxnSpPr>
+          <p:cNvPr id="15" name="连接符: 曲线 14">
+            <a:extLst>
+              <a:ext uri="{FF2B5EF4-FFF2-40B4-BE49-F238E27FC236}">
+                <a16:creationId xmlns:a16="http://schemas.microsoft.com/office/drawing/2014/main" id="{7940E7AD-7C49-4898-8D9F-47A090224320}"/>
+              </a:ext>
+            </a:extLst>
+          </p:cNvPr>
+          <p:cNvCxnSpPr>
+            <a:cxnSpLocks/>
+          </p:cNvCxnSpPr>
+          <p:nvPr/>
+        </p:nvCxnSpPr>
+        <p:spPr>
+          <a:xfrm flipV="1">
+            <a:off x="9673345" y="3242638"/>
+            <a:ext cx="347917" cy="556400"/>
+          </a:xfrm>
+          <a:prstGeom prst="curvedConnector3">
+            <a:avLst>
+              <a:gd name="adj1" fmla="val 50000"/>
+            </a:avLst>
+          </a:prstGeom>
+          <a:ln w="38100">
+            <a:solidFill>
+              <a:schemeClr val="accent5">
+                <a:lumMod val="75000"/>
+              </a:schemeClr>
+            </a:solidFill>
+            <a:tailEnd type="triangle"/>
+          </a:ln>
+        </p:spPr>
+        <p:style>
+          <a:lnRef idx="1">
+            <a:schemeClr val="accent2"/>
+          </a:lnRef>
+          <a:fillRef idx="0">
+            <a:schemeClr val="accent2"/>
+          </a:fillRef>
+          <a:effectRef idx="0">
+            <a:schemeClr val="accent2"/>
+          </a:effectRef>
+          <a:fontRef idx="minor">
+            <a:schemeClr val="tx1"/>
+          </a:fontRef>
+        </p:style>
+      </p:cxnSp>
+      <p:cxnSp>
+        <p:nvCxnSpPr>
+          <p:cNvPr id="16" name="连接符: 曲线 15">
+            <a:extLst>
+              <a:ext uri="{FF2B5EF4-FFF2-40B4-BE49-F238E27FC236}">
+                <a16:creationId xmlns:a16="http://schemas.microsoft.com/office/drawing/2014/main" id="{4970B53B-A6AB-44E3-9441-5020B7813A4D}"/>
+              </a:ext>
+            </a:extLst>
+          </p:cNvPr>
+          <p:cNvCxnSpPr>
+            <a:cxnSpLocks/>
+          </p:cNvCxnSpPr>
+          <p:nvPr/>
+        </p:nvCxnSpPr>
+        <p:spPr>
+          <a:xfrm>
+            <a:off x="9673345" y="3799038"/>
+            <a:ext cx="347916" cy="476457"/>
+          </a:xfrm>
+          <a:prstGeom prst="curvedConnector3">
+            <a:avLst>
+              <a:gd name="adj1" fmla="val 50000"/>
+            </a:avLst>
+          </a:prstGeom>
+          <a:ln w="38100">
+            <a:solidFill>
+              <a:schemeClr val="accent5">
+                <a:lumMod val="75000"/>
+              </a:schemeClr>
+            </a:solidFill>
+            <a:tailEnd type="triangle"/>
+          </a:ln>
+        </p:spPr>
+        <p:style>
+          <a:lnRef idx="1">
+            <a:schemeClr val="accent2"/>
+          </a:lnRef>
+          <a:fillRef idx="0">
+            <a:schemeClr val="accent2"/>
+          </a:fillRef>
+          <a:effectRef idx="0">
+            <a:schemeClr val="accent2"/>
+          </a:effectRef>
+          <a:fontRef idx="minor">
+            <a:schemeClr val="tx1"/>
+          </a:fontRef>
+        </p:style>
+      </p:cxnSp>
+      <p:cxnSp>
+        <p:nvCxnSpPr>
+          <p:cNvPr id="17" name="连接符: 曲线 16">
+            <a:extLst>
+              <a:ext uri="{FF2B5EF4-FFF2-40B4-BE49-F238E27FC236}">
+                <a16:creationId xmlns:a16="http://schemas.microsoft.com/office/drawing/2014/main" id="{AD8F48F5-F29D-49DC-8E86-42B8FE3DAA03}"/>
+              </a:ext>
+            </a:extLst>
+          </p:cNvPr>
+          <p:cNvCxnSpPr>
+            <a:cxnSpLocks/>
+          </p:cNvCxnSpPr>
+          <p:nvPr/>
+        </p:nvCxnSpPr>
+        <p:spPr>
+          <a:xfrm flipV="1">
+            <a:off x="9673345" y="3764461"/>
+            <a:ext cx="347916" cy="34577"/>
+          </a:xfrm>
+          <a:prstGeom prst="curvedConnector3">
+            <a:avLst>
+              <a:gd name="adj1" fmla="val 50000"/>
+            </a:avLst>
+          </a:prstGeom>
+          <a:ln w="38100">
+            <a:solidFill>
+              <a:schemeClr val="accent5">
+                <a:lumMod val="75000"/>
+              </a:schemeClr>
+            </a:solidFill>
+            <a:tailEnd type="triangle"/>
+          </a:ln>
+        </p:spPr>
+        <p:style>
+          <a:lnRef idx="1">
+            <a:schemeClr val="accent2"/>
+          </a:lnRef>
+          <a:fillRef idx="0">
+            <a:schemeClr val="accent2"/>
+          </a:fillRef>
+          <a:effectRef idx="0">
+            <a:schemeClr val="accent2"/>
+          </a:effectRef>
+          <a:fontRef idx="minor">
+            <a:schemeClr val="tx1"/>
+          </a:fontRef>
+        </p:style>
+      </p:cxnSp>
+      <p:pic>
+        <p:nvPicPr>
+          <p:cNvPr id="18" name="图片 17">
+            <a:extLst>
+              <a:ext uri="{FF2B5EF4-FFF2-40B4-BE49-F238E27FC236}">
+                <a16:creationId xmlns:a16="http://schemas.microsoft.com/office/drawing/2014/main" id="{B585AF7B-1AA4-4398-B663-B711EE1FCCC7}"/>
+              </a:ext>
+            </a:extLst>
+          </p:cNvPr>
+          <p:cNvPicPr>
+            <a:picLocks noChangeAspect="1"/>
+          </p:cNvPicPr>
+          <p:nvPr/>
+        </p:nvPicPr>
+        <p:blipFill>
+          <a:blip r:embed="rId2"/>
+          <a:stretch>
+            <a:fillRect/>
+          </a:stretch>
+        </p:blipFill>
+        <p:spPr>
+          <a:xfrm>
+            <a:off x="300586" y="1591335"/>
+            <a:ext cx="3170195" cy="1658560"/>
+          </a:xfrm>
+          <a:prstGeom prst="rect">
+            <a:avLst/>
+          </a:prstGeom>
+        </p:spPr>
+      </p:pic>
+      <p:pic>
+        <p:nvPicPr>
+          <p:cNvPr id="19" name="图片 18">
+            <a:extLst>
+              <a:ext uri="{FF2B5EF4-FFF2-40B4-BE49-F238E27FC236}">
+                <a16:creationId xmlns:a16="http://schemas.microsoft.com/office/drawing/2014/main" id="{BE81316B-818A-4691-B52D-CF35286E8FE4}"/>
+              </a:ext>
+            </a:extLst>
+          </p:cNvPr>
+          <p:cNvPicPr>
+            <a:picLocks noChangeAspect="1"/>
+          </p:cNvPicPr>
+          <p:nvPr/>
+        </p:nvPicPr>
+        <p:blipFill>
+          <a:blip r:embed="rId3"/>
+          <a:stretch>
+            <a:fillRect/>
+          </a:stretch>
+        </p:blipFill>
+        <p:spPr>
+          <a:xfrm>
+            <a:off x="300586" y="233227"/>
+            <a:ext cx="5189670" cy="998307"/>
+          </a:xfrm>
+          <a:prstGeom prst="rect">
+            <a:avLst/>
+          </a:prstGeom>
+        </p:spPr>
+      </p:pic>
+      <p:pic>
+        <p:nvPicPr>
+          <p:cNvPr id="20" name="图片 19">
+            <a:extLst>
+              <a:ext uri="{FF2B5EF4-FFF2-40B4-BE49-F238E27FC236}">
+                <a16:creationId xmlns:a16="http://schemas.microsoft.com/office/drawing/2014/main" id="{27F71ADC-7F6F-4BB5-87C7-7117E2616D14}"/>
+              </a:ext>
+            </a:extLst>
+          </p:cNvPr>
+          <p:cNvPicPr>
+            <a:picLocks noChangeAspect="1"/>
+          </p:cNvPicPr>
+          <p:nvPr/>
+        </p:nvPicPr>
+        <p:blipFill>
+          <a:blip r:embed="rId4"/>
+          <a:stretch>
+            <a:fillRect/>
+          </a:stretch>
+        </p:blipFill>
+        <p:spPr>
+          <a:xfrm>
+            <a:off x="315828" y="3585937"/>
+            <a:ext cx="6896698" cy="266723"/>
+          </a:xfrm>
+          <a:prstGeom prst="rect">
+            <a:avLst/>
+          </a:prstGeom>
+        </p:spPr>
+      </p:pic>
+      <p:pic>
+        <p:nvPicPr>
+          <p:cNvPr id="21" name="图片 20">
+            <a:extLst>
+              <a:ext uri="{FF2B5EF4-FFF2-40B4-BE49-F238E27FC236}">
+                <a16:creationId xmlns:a16="http://schemas.microsoft.com/office/drawing/2014/main" id="{FAF40B18-DF73-4FB8-B5A3-5F64151E31DA}"/>
+              </a:ext>
+            </a:extLst>
+          </p:cNvPr>
+          <p:cNvPicPr>
+            <a:picLocks noChangeAspect="1"/>
+          </p:cNvPicPr>
+          <p:nvPr/>
+        </p:nvPicPr>
+        <p:blipFill>
+          <a:blip r:embed="rId5"/>
+          <a:stretch>
+            <a:fillRect/>
+          </a:stretch>
+        </p:blipFill>
+        <p:spPr>
+          <a:xfrm>
+            <a:off x="300586" y="5158847"/>
+            <a:ext cx="5159187" cy="259102"/>
+          </a:xfrm>
+          <a:prstGeom prst="rect">
+            <a:avLst/>
+          </a:prstGeom>
+        </p:spPr>
+      </p:pic>
+      <p:sp>
+        <p:nvSpPr>
+          <p:cNvPr id="22" name="文本框 21">
+            <a:extLst>
+              <a:ext uri="{FF2B5EF4-FFF2-40B4-BE49-F238E27FC236}">
+                <a16:creationId xmlns:a16="http://schemas.microsoft.com/office/drawing/2014/main" id="{B87F6740-D17C-4CEE-89CB-15A98326F731}"/>
+              </a:ext>
+            </a:extLst>
+          </p:cNvPr>
+          <p:cNvSpPr txBox="1"/>
+          <p:nvPr/>
+        </p:nvSpPr>
+        <p:spPr>
+          <a:xfrm>
+            <a:off x="562418" y="4006900"/>
+            <a:ext cx="6186309" cy="646331"/>
+          </a:xfrm>
+          <a:prstGeom prst="rect">
+            <a:avLst/>
+          </a:prstGeom>
+          <a:noFill/>
+        </p:spPr>
+        <p:txBody>
+          <a:bodyPr wrap="none" rtlCol="0">
+            <a:spAutoFit/>
+          </a:bodyPr>
+          <a:lstStyle/>
+          <a:p>
+            <a:r>
+              <a:rPr lang="zh-CN" altLang="en-US"/>
+              <a:t>事件名存在，则直接向数组中添加观察者</a:t>
+            </a:r>
+            <a:endParaRPr lang="en-US" altLang="zh-CN"/>
+          </a:p>
+          <a:p>
+            <a:r>
+              <a:rPr lang="zh-CN" altLang="en-US"/>
+              <a:t>事件名不存在，则先登记这个事件，再向数组中添加观察者</a:t>
+            </a:r>
+          </a:p>
+        </p:txBody>
+      </p:sp>
+      <p:sp>
+        <p:nvSpPr>
+          <p:cNvPr id="24" name="文本框 23">
+            <a:extLst>
+              <a:ext uri="{FF2B5EF4-FFF2-40B4-BE49-F238E27FC236}">
+                <a16:creationId xmlns:a16="http://schemas.microsoft.com/office/drawing/2014/main" id="{9FBE6386-8B5D-467B-A839-194F491CCFE8}"/>
+              </a:ext>
+            </a:extLst>
+          </p:cNvPr>
+          <p:cNvSpPr txBox="1"/>
+          <p:nvPr/>
+        </p:nvSpPr>
+        <p:spPr>
+          <a:xfrm>
+            <a:off x="592659" y="5602384"/>
+            <a:ext cx="4801314" cy="369332"/>
+          </a:xfrm>
+          <a:prstGeom prst="rect">
+            <a:avLst/>
+          </a:prstGeom>
+          <a:noFill/>
+        </p:spPr>
+        <p:txBody>
+          <a:bodyPr wrap="none" rtlCol="0">
+            <a:spAutoFit/>
+          </a:bodyPr>
+          <a:lstStyle/>
+          <a:p>
+            <a:r>
+              <a:rPr lang="zh-CN" altLang="en-US"/>
+              <a:t>找出监听这个事件的所有观察者，并执行它们</a:t>
+            </a:r>
+          </a:p>
+        </p:txBody>
+      </p:sp>
+      <p:sp>
+        <p:nvSpPr>
+          <p:cNvPr id="25" name="矩形 24">
+            <a:extLst>
+              <a:ext uri="{FF2B5EF4-FFF2-40B4-BE49-F238E27FC236}">
+                <a16:creationId xmlns:a16="http://schemas.microsoft.com/office/drawing/2014/main" id="{9D54948E-A8C0-45FB-9750-350D0E189E4F}"/>
+              </a:ext>
+            </a:extLst>
+          </p:cNvPr>
+          <p:cNvSpPr/>
+          <p:nvPr/>
+        </p:nvSpPr>
+        <p:spPr>
+          <a:xfrm>
+            <a:off x="5249477" y="15927"/>
+            <a:ext cx="877163" cy="369332"/>
+          </a:xfrm>
+          <a:prstGeom prst="rect">
+            <a:avLst/>
+          </a:prstGeom>
+        </p:spPr>
+        <p:style>
+          <a:lnRef idx="2">
+            <a:schemeClr val="accent4"/>
+          </a:lnRef>
+          <a:fillRef idx="1">
+            <a:schemeClr val="lt1"/>
+          </a:fillRef>
+          <a:effectRef idx="0">
+            <a:schemeClr val="accent4"/>
+          </a:effectRef>
+          <a:fontRef idx="minor">
+            <a:schemeClr val="dk1"/>
+          </a:fontRef>
+        </p:style>
         <p:txBody>
           <a:bodyPr wrap="none">
             <a:spAutoFit/>
@@ -3566,22 +4473,17 @@
           <a:p>
             <a:r>
               <a:rPr lang="zh-CN" altLang="en-US"/>
-              <a:t>蓝牙，电池，拍照，电话本</a:t>
-            </a:r>
-            <a:r>
-              <a:rPr lang="en-US" altLang="zh-CN"/>
-              <a:t>....</a:t>
-            </a:r>
-            <a:endParaRPr lang="zh-CN" altLang="en-US"/>
-          </a:p>
-        </p:txBody>
-      </p:sp>
-      <p:sp>
-        <p:nvSpPr>
-          <p:cNvPr id="18" name="矩形 17">
-            <a:extLst>
-              <a:ext uri="{FF2B5EF4-FFF2-40B4-BE49-F238E27FC236}">
-                <a16:creationId xmlns:a16="http://schemas.microsoft.com/office/drawing/2014/main" id="{14F7E17B-9CC0-4B15-9F66-052D7291073C}"/>
+              <a:t>观察者</a:t>
+            </a:r>
+          </a:p>
+        </p:txBody>
+      </p:sp>
+      <p:sp>
+        <p:nvSpPr>
+          <p:cNvPr id="26" name="矩形 25">
+            <a:extLst>
+              <a:ext uri="{FF2B5EF4-FFF2-40B4-BE49-F238E27FC236}">
+                <a16:creationId xmlns:a16="http://schemas.microsoft.com/office/drawing/2014/main" id="{8F964AD5-EE87-4F2A-8A41-C32DE3DAAE81}"/>
               </a:ext>
             </a:extLst>
           </p:cNvPr>
@@ -3590,46 +4492,198 @@
         </p:nvSpPr>
         <p:spPr>
           <a:xfrm>
-            <a:off x="1471847" y="4762252"/>
-            <a:ext cx="2542095" cy="538609"/>
+            <a:off x="3301710" y="2031476"/>
+            <a:ext cx="1569660" cy="369332"/>
           </a:xfrm>
           <a:prstGeom prst="rect">
             <a:avLst/>
           </a:prstGeom>
         </p:spPr>
+        <p:style>
+          <a:lnRef idx="2">
+            <a:schemeClr val="accent3"/>
+          </a:lnRef>
+          <a:fillRef idx="1">
+            <a:schemeClr val="lt1"/>
+          </a:fillRef>
+          <a:effectRef idx="0">
+            <a:schemeClr val="accent3"/>
+          </a:effectRef>
+          <a:fontRef idx="minor">
+            <a:schemeClr val="dk1"/>
+          </a:fontRef>
+        </p:style>
+        <p:txBody>
+          <a:bodyPr wrap="none">
+            <a:spAutoFit/>
+          </a:bodyPr>
+          <a:lstStyle/>
+          <a:p>
+            <a:r>
+              <a:rPr lang="zh-CN" altLang="en-US"/>
+              <a:t>事件管理中心</a:t>
+            </a:r>
+          </a:p>
+        </p:txBody>
+      </p:sp>
+      <p:sp>
+        <p:nvSpPr>
+          <p:cNvPr id="27" name="矩形 26">
+            <a:extLst>
+              <a:ext uri="{FF2B5EF4-FFF2-40B4-BE49-F238E27FC236}">
+                <a16:creationId xmlns:a16="http://schemas.microsoft.com/office/drawing/2014/main" id="{03966E73-E542-4231-9706-D0D99BB746C3}"/>
+              </a:ext>
+            </a:extLst>
+          </p:cNvPr>
+          <p:cNvSpPr/>
+          <p:nvPr/>
+        </p:nvSpPr>
+        <p:spPr>
+          <a:xfrm>
+            <a:off x="8215889" y="710102"/>
+            <a:ext cx="1329674" cy="276999"/>
+          </a:xfrm>
+          <a:prstGeom prst="rect">
+            <a:avLst/>
+          </a:prstGeom>
+        </p:spPr>
+        <p:style>
+          <a:lnRef idx="2">
+            <a:schemeClr val="accent3"/>
+          </a:lnRef>
+          <a:fillRef idx="1">
+            <a:schemeClr val="lt1"/>
+          </a:fillRef>
+          <a:effectRef idx="0">
+            <a:schemeClr val="accent3"/>
+          </a:effectRef>
+          <a:fontRef idx="minor">
+            <a:schemeClr val="dk1"/>
+          </a:fontRef>
+        </p:style>
         <p:txBody>
           <a:bodyPr wrap="square">
             <a:spAutoFit/>
           </a:bodyPr>
           <a:lstStyle/>
           <a:p>
-            <a:pPr algn="ctr"/>
-            <a:r>
-              <a:rPr lang="en-US" altLang="zh-CN">
-                <a:solidFill>
-                  <a:schemeClr val="bg1"/>
-                </a:solidFill>
-              </a:rPr>
-              <a:t>andriod</a:t>
-            </a:r>
-          </a:p>
-          <a:p>
-            <a:pPr algn="ctr"/>
-            <a:r>
-              <a:rPr lang="zh-CN" altLang="en-US" sz="1100">
-                <a:solidFill>
-                  <a:schemeClr val="bg1"/>
-                </a:solidFill>
-              </a:rPr>
-              <a:t>操作系统</a:t>
-            </a:r>
+            <a:r>
+              <a:rPr lang="zh-CN" altLang="en-US" sz="1200"/>
+              <a:t>事件管理中心</a:t>
+            </a:r>
+          </a:p>
+        </p:txBody>
+      </p:sp>
+      <p:sp>
+        <p:nvSpPr>
+          <p:cNvPr id="29" name="矩形 28">
+            <a:extLst>
+              <a:ext uri="{FF2B5EF4-FFF2-40B4-BE49-F238E27FC236}">
+                <a16:creationId xmlns:a16="http://schemas.microsoft.com/office/drawing/2014/main" id="{1E8A08C7-3385-41BD-AE32-AAFDA646AFD3}"/>
+              </a:ext>
+            </a:extLst>
+          </p:cNvPr>
+          <p:cNvSpPr/>
+          <p:nvPr/>
+        </p:nvSpPr>
+        <p:spPr>
+          <a:xfrm>
+            <a:off x="5558438" y="3174479"/>
+            <a:ext cx="1535998" cy="369332"/>
+          </a:xfrm>
+          <a:prstGeom prst="rect">
+            <a:avLst/>
+          </a:prstGeom>
+        </p:spPr>
+        <p:style>
+          <a:lnRef idx="2">
+            <a:schemeClr val="accent3"/>
+          </a:lnRef>
+          <a:fillRef idx="1">
+            <a:schemeClr val="lt1"/>
+          </a:fillRef>
+          <a:effectRef idx="0">
+            <a:schemeClr val="accent3"/>
+          </a:effectRef>
+          <a:fontRef idx="minor">
+            <a:schemeClr val="dk1"/>
+          </a:fontRef>
+        </p:style>
+        <p:txBody>
+          <a:bodyPr wrap="none">
+            <a:spAutoFit/>
+          </a:bodyPr>
+          <a:lstStyle/>
+          <a:p>
+            <a:r>
+              <a:rPr lang="zh-CN" altLang="en-US"/>
+              <a:t>添加观察者</a:t>
+            </a:r>
+            <a:r>
+              <a:rPr lang="en-US" altLang="zh-CN"/>
+              <a:t>( )</a:t>
+            </a:r>
+            <a:endParaRPr lang="zh-CN" altLang="en-US"/>
+          </a:p>
+        </p:txBody>
+      </p:sp>
+      <p:sp>
+        <p:nvSpPr>
+          <p:cNvPr id="30" name="矩形 29">
+            <a:extLst>
+              <a:ext uri="{FF2B5EF4-FFF2-40B4-BE49-F238E27FC236}">
+                <a16:creationId xmlns:a16="http://schemas.microsoft.com/office/drawing/2014/main" id="{AB01F5A7-6616-4740-81D3-AF53FD1B32BE}"/>
+              </a:ext>
+            </a:extLst>
+          </p:cNvPr>
+          <p:cNvSpPr/>
+          <p:nvPr/>
+        </p:nvSpPr>
+        <p:spPr>
+          <a:xfrm>
+            <a:off x="5907361" y="4925611"/>
+            <a:ext cx="1305165" cy="369332"/>
+          </a:xfrm>
+          <a:prstGeom prst="rect">
+            <a:avLst/>
+          </a:prstGeom>
+        </p:spPr>
+        <p:style>
+          <a:lnRef idx="2">
+            <a:schemeClr val="accent3"/>
+          </a:lnRef>
+          <a:fillRef idx="1">
+            <a:schemeClr val="lt1"/>
+          </a:fillRef>
+          <a:effectRef idx="0">
+            <a:schemeClr val="accent3"/>
+          </a:effectRef>
+          <a:fontRef idx="minor">
+            <a:schemeClr val="dk1"/>
+          </a:fontRef>
+        </p:style>
+        <p:txBody>
+          <a:bodyPr wrap="none">
+            <a:spAutoFit/>
+          </a:bodyPr>
+          <a:lstStyle/>
+          <a:p>
+            <a:r>
+              <a:rPr lang="zh-CN" altLang="en-US"/>
+              <a:t>发布消息</a:t>
+            </a:r>
+            <a:r>
+              <a:rPr lang="en-US" altLang="zh-CN"/>
+              <a:t>( )</a:t>
+            </a:r>
+            <a:endParaRPr lang="zh-CN" altLang="en-US"/>
           </a:p>
         </p:txBody>
       </p:sp>
     </p:spTree>
     <p:extLst>
       <p:ext uri="{BB962C8B-B14F-4D97-AF65-F5344CB8AC3E}">
-        <p14:creationId xmlns:p14="http://schemas.microsoft.com/office/powerpoint/2010/main" val="2678606124"/>
+        <p14:creationId xmlns:p14="http://schemas.microsoft.com/office/powerpoint/2010/main" val="2568854425"/>
       </p:ext>
     </p:extLst>
   </p:cSld>
@@ -3709,6 +4763,334 @@
       </p:sp>
       <p:sp>
         <p:nvSpPr>
+          <p:cNvPr id="19" name="矩形 18">
+            <a:extLst>
+              <a:ext uri="{FF2B5EF4-FFF2-40B4-BE49-F238E27FC236}">
+                <a16:creationId xmlns:a16="http://schemas.microsoft.com/office/drawing/2014/main" id="{F47BA972-814B-4984-BCE8-0DDB8FF0B1DC}"/>
+              </a:ext>
+            </a:extLst>
+          </p:cNvPr>
+          <p:cNvSpPr/>
+          <p:nvPr/>
+        </p:nvSpPr>
+        <p:spPr>
+          <a:xfrm>
+            <a:off x="1310326" y="987475"/>
+            <a:ext cx="2997723" cy="4385803"/>
+          </a:xfrm>
+          <a:prstGeom prst="rect">
+            <a:avLst/>
+          </a:prstGeom>
+        </p:spPr>
+        <p:style>
+          <a:lnRef idx="2">
+            <a:schemeClr val="accent1">
+              <a:shade val="50000"/>
+            </a:schemeClr>
+          </a:lnRef>
+          <a:fillRef idx="1">
+            <a:schemeClr val="accent1"/>
+          </a:fillRef>
+          <a:effectRef idx="0">
+            <a:schemeClr val="accent1"/>
+          </a:effectRef>
+          <a:fontRef idx="minor">
+            <a:schemeClr val="lt1"/>
+          </a:fontRef>
+        </p:style>
+        <p:txBody>
+          <a:bodyPr rtlCol="0" anchor="ctr"/>
+          <a:lstStyle/>
+          <a:p>
+            <a:pPr algn="ctr"/>
+            <a:endParaRPr lang="zh-CN" altLang="en-US"/>
+          </a:p>
+        </p:txBody>
+      </p:sp>
+      <p:sp>
+        <p:nvSpPr>
+          <p:cNvPr id="8" name="云形 7">
+            <a:extLst>
+              <a:ext uri="{FF2B5EF4-FFF2-40B4-BE49-F238E27FC236}">
+                <a16:creationId xmlns:a16="http://schemas.microsoft.com/office/drawing/2014/main" id="{282163BE-F6FD-4A92-BFC5-8F90E1B8CADA}"/>
+              </a:ext>
+            </a:extLst>
+          </p:cNvPr>
+          <p:cNvSpPr/>
+          <p:nvPr/>
+        </p:nvSpPr>
+        <p:spPr>
+          <a:xfrm>
+            <a:off x="2497320" y="1142937"/>
+            <a:ext cx="1659589" cy="1091918"/>
+          </a:xfrm>
+          <a:prstGeom prst="cloud">
+            <a:avLst/>
+          </a:prstGeom>
+        </p:spPr>
+        <p:style>
+          <a:lnRef idx="0">
+            <a:schemeClr val="accent4"/>
+          </a:lnRef>
+          <a:fillRef idx="3">
+            <a:schemeClr val="accent4"/>
+          </a:fillRef>
+          <a:effectRef idx="3">
+            <a:schemeClr val="accent4"/>
+          </a:effectRef>
+          <a:fontRef idx="minor">
+            <a:schemeClr val="lt1"/>
+          </a:fontRef>
+        </p:style>
+        <p:txBody>
+          <a:bodyPr rtlCol="0" anchor="ctr"/>
+          <a:lstStyle/>
+          <a:p>
+            <a:pPr algn="ctr"/>
+            <a:r>
+              <a:rPr lang="en-US" altLang="zh-CN"/>
+              <a:t>andriod</a:t>
+            </a:r>
+            <a:r>
+              <a:rPr lang="zh-CN" altLang="en-US"/>
+              <a:t>应用</a:t>
+            </a:r>
+            <a:r>
+              <a:rPr lang="en-US" altLang="zh-CN"/>
+              <a:t>1</a:t>
+            </a:r>
+            <a:endParaRPr lang="zh-CN" altLang="en-US"/>
+          </a:p>
+        </p:txBody>
+      </p:sp>
+      <p:sp>
+        <p:nvSpPr>
+          <p:cNvPr id="14" name="云形 13">
+            <a:extLst>
+              <a:ext uri="{FF2B5EF4-FFF2-40B4-BE49-F238E27FC236}">
+                <a16:creationId xmlns:a16="http://schemas.microsoft.com/office/drawing/2014/main" id="{70B253B9-10B9-4833-AC97-B8D1827AC24E}"/>
+              </a:ext>
+            </a:extLst>
+          </p:cNvPr>
+          <p:cNvSpPr/>
+          <p:nvPr/>
+        </p:nvSpPr>
+        <p:spPr>
+          <a:xfrm>
+            <a:off x="1471847" y="2775006"/>
+            <a:ext cx="1495547" cy="910873"/>
+          </a:xfrm>
+          <a:prstGeom prst="cloud">
+            <a:avLst/>
+          </a:prstGeom>
+        </p:spPr>
+        <p:style>
+          <a:lnRef idx="0">
+            <a:schemeClr val="accent4"/>
+          </a:lnRef>
+          <a:fillRef idx="3">
+            <a:schemeClr val="accent4"/>
+          </a:fillRef>
+          <a:effectRef idx="3">
+            <a:schemeClr val="accent4"/>
+          </a:effectRef>
+          <a:fontRef idx="minor">
+            <a:schemeClr val="lt1"/>
+          </a:fontRef>
+        </p:style>
+        <p:txBody>
+          <a:bodyPr rtlCol="0" anchor="ctr"/>
+          <a:lstStyle/>
+          <a:p>
+            <a:pPr algn="ctr"/>
+            <a:r>
+              <a:rPr lang="en-US" altLang="zh-CN"/>
+              <a:t>andriod</a:t>
+            </a:r>
+            <a:r>
+              <a:rPr lang="zh-CN" altLang="en-US"/>
+              <a:t>应用</a:t>
+            </a:r>
+            <a:r>
+              <a:rPr lang="en-US" altLang="zh-CN"/>
+              <a:t>2</a:t>
+            </a:r>
+            <a:endParaRPr lang="zh-CN" altLang="en-US"/>
+          </a:p>
+        </p:txBody>
+      </p:sp>
+      <p:sp>
+        <p:nvSpPr>
+          <p:cNvPr id="17" name="矩形 16">
+            <a:extLst>
+              <a:ext uri="{FF2B5EF4-FFF2-40B4-BE49-F238E27FC236}">
+                <a16:creationId xmlns:a16="http://schemas.microsoft.com/office/drawing/2014/main" id="{314E5ABC-2821-4DCE-93BB-E42E8672D0C6}"/>
+              </a:ext>
+            </a:extLst>
+          </p:cNvPr>
+          <p:cNvSpPr/>
+          <p:nvPr/>
+        </p:nvSpPr>
+        <p:spPr>
+          <a:xfrm>
+            <a:off x="1238692" y="5555283"/>
+            <a:ext cx="3159839" cy="369332"/>
+          </a:xfrm>
+          <a:prstGeom prst="rect">
+            <a:avLst/>
+          </a:prstGeom>
+        </p:spPr>
+        <p:txBody>
+          <a:bodyPr wrap="none">
+            <a:spAutoFit/>
+          </a:bodyPr>
+          <a:lstStyle/>
+          <a:p>
+            <a:r>
+              <a:rPr lang="zh-CN" altLang="en-US"/>
+              <a:t>蓝牙，电池，拍照，电话本</a:t>
+            </a:r>
+            <a:r>
+              <a:rPr lang="en-US" altLang="zh-CN"/>
+              <a:t>....</a:t>
+            </a:r>
+            <a:endParaRPr lang="zh-CN" altLang="en-US"/>
+          </a:p>
+        </p:txBody>
+      </p:sp>
+      <p:sp>
+        <p:nvSpPr>
+          <p:cNvPr id="18" name="矩形 17">
+            <a:extLst>
+              <a:ext uri="{FF2B5EF4-FFF2-40B4-BE49-F238E27FC236}">
+                <a16:creationId xmlns:a16="http://schemas.microsoft.com/office/drawing/2014/main" id="{14F7E17B-9CC0-4B15-9F66-052D7291073C}"/>
+              </a:ext>
+            </a:extLst>
+          </p:cNvPr>
+          <p:cNvSpPr/>
+          <p:nvPr/>
+        </p:nvSpPr>
+        <p:spPr>
+          <a:xfrm>
+            <a:off x="1471847" y="4762252"/>
+            <a:ext cx="2542095" cy="538609"/>
+          </a:xfrm>
+          <a:prstGeom prst="rect">
+            <a:avLst/>
+          </a:prstGeom>
+        </p:spPr>
+        <p:txBody>
+          <a:bodyPr wrap="square">
+            <a:spAutoFit/>
+          </a:bodyPr>
+          <a:lstStyle/>
+          <a:p>
+            <a:pPr algn="ctr"/>
+            <a:r>
+              <a:rPr lang="en-US" altLang="zh-CN">
+                <a:solidFill>
+                  <a:schemeClr val="bg1"/>
+                </a:solidFill>
+              </a:rPr>
+              <a:t>andriod</a:t>
+            </a:r>
+          </a:p>
+          <a:p>
+            <a:pPr algn="ctr"/>
+            <a:r>
+              <a:rPr lang="zh-CN" altLang="en-US" sz="1100">
+                <a:solidFill>
+                  <a:schemeClr val="bg1"/>
+                </a:solidFill>
+              </a:rPr>
+              <a:t>操作系统</a:t>
+            </a:r>
+          </a:p>
+        </p:txBody>
+      </p:sp>
+    </p:spTree>
+    <p:extLst>
+      <p:ext uri="{BB962C8B-B14F-4D97-AF65-F5344CB8AC3E}">
+        <p14:creationId xmlns:p14="http://schemas.microsoft.com/office/powerpoint/2010/main" val="2678606124"/>
+      </p:ext>
+    </p:extLst>
+  </p:cSld>
+  <p:clrMapOvr>
+    <a:masterClrMapping/>
+  </p:clrMapOvr>
+</p:sld>
+</file>
+
+<file path=ppt/slides/slide3.xml><?xml version="1.0" encoding="utf-8"?>
+<p:sld xmlns:a="http://schemas.openxmlformats.org/drawingml/2006/main" xmlns:r="http://schemas.openxmlformats.org/officeDocument/2006/relationships" xmlns:p="http://schemas.openxmlformats.org/presentationml/2006/main">
+  <p:cSld>
+    <p:spTree>
+      <p:nvGrpSpPr>
+        <p:cNvPr id="1" name=""/>
+        <p:cNvGrpSpPr/>
+        <p:nvPr/>
+      </p:nvGrpSpPr>
+      <p:grpSpPr>
+        <a:xfrm>
+          <a:off x="0" y="0"/>
+          <a:ext cx="0" cy="0"/>
+          <a:chOff x="0" y="0"/>
+          <a:chExt cx="0" cy="0"/>
+        </a:xfrm>
+      </p:grpSpPr>
+      <p:sp>
+        <p:nvSpPr>
+          <p:cNvPr id="4" name="矩形 3">
+            <a:extLst>
+              <a:ext uri="{FF2B5EF4-FFF2-40B4-BE49-F238E27FC236}">
+                <a16:creationId xmlns:a16="http://schemas.microsoft.com/office/drawing/2014/main" id="{D3B5C410-128C-4F45-B980-96301381F47C}"/>
+              </a:ext>
+            </a:extLst>
+          </p:cNvPr>
+          <p:cNvSpPr/>
+          <p:nvPr/>
+        </p:nvSpPr>
+        <p:spPr>
+          <a:xfrm>
+            <a:off x="1131216" y="817775"/>
+            <a:ext cx="3374795" cy="5222450"/>
+          </a:xfrm>
+          <a:prstGeom prst="rect">
+            <a:avLst/>
+          </a:prstGeom>
+          <a:effectLst>
+            <a:outerShdw blurRad="50800" dist="38100" dir="10800000" algn="r" rotWithShape="0">
+              <a:prstClr val="black">
+                <a:alpha val="40000"/>
+              </a:prstClr>
+            </a:outerShdw>
+          </a:effectLst>
+        </p:spPr>
+        <p:style>
+          <a:lnRef idx="1">
+            <a:schemeClr val="accent4"/>
+          </a:lnRef>
+          <a:fillRef idx="3">
+            <a:schemeClr val="accent4"/>
+          </a:fillRef>
+          <a:effectRef idx="2">
+            <a:schemeClr val="accent4"/>
+          </a:effectRef>
+          <a:fontRef idx="minor">
+            <a:schemeClr val="lt1"/>
+          </a:fontRef>
+        </p:style>
+        <p:txBody>
+          <a:bodyPr rtlCol="0" anchor="ctr"/>
+          <a:lstStyle/>
+          <a:p>
+            <a:pPr algn="ctr"/>
+            <a:endParaRPr lang="zh-CN" altLang="en-US"/>
+          </a:p>
+        </p:txBody>
+      </p:sp>
+      <p:sp>
+        <p:nvSpPr>
           <p:cNvPr id="7" name="文本框 6">
             <a:extLst>
               <a:ext uri="{FF2B5EF4-FFF2-40B4-BE49-F238E27FC236}">
@@ -4369,7 +5751,7 @@
 </p:sld>
 </file>
 
-<file path=ppt/slides/slide3.xml><?xml version="1.0" encoding="utf-8"?>
+<file path=ppt/slides/slide4.xml><?xml version="1.0" encoding="utf-8"?>
 <p:sld xmlns:a="http://schemas.openxmlformats.org/drawingml/2006/main" xmlns:r="http://schemas.openxmlformats.org/officeDocument/2006/relationships" xmlns:p="http://schemas.openxmlformats.org/presentationml/2006/main">
   <p:cSld>
     <p:spTree>

--- a/讲义/ppt.pptx
+++ b/讲义/ppt.pptx
@@ -5783,7 +5783,7 @@
         <p:spPr>
           <a:xfrm>
             <a:off x="3341562" y="254645"/>
-            <a:ext cx="8777468" cy="6036199"/>
+            <a:ext cx="8639906" cy="6036199"/>
           </a:xfrm>
           <a:prstGeom prst="roundRect">
             <a:avLst>
@@ -5870,7 +5870,7 @@
                   <a:srgbClr val="002060"/>
                 </a:solidFill>
               </a:rPr>
-              <a:t>数据劫持</a:t>
+              <a:t>数据拦截</a:t>
             </a:r>
             <a:endParaRPr lang="en-US" altLang="zh-CN" sz="1600">
               <a:solidFill>
@@ -6949,7 +6949,7 @@
         </p:nvSpPr>
         <p:spPr>
           <a:xfrm>
-            <a:off x="6939071" y="3750415"/>
+            <a:off x="7026820" y="3609791"/>
             <a:ext cx="1261884" cy="461665"/>
           </a:xfrm>
           <a:prstGeom prst="rect">

--- a/讲义/ppt.pptx
+++ b/讲义/ppt.pptx
@@ -262,7 +262,7 @@
           <a:p>
             <a:fld id="{54D8E8BF-6091-4187-9128-2A9871D362A1}" type="datetimeFigureOut">
               <a:rPr lang="zh-CN" altLang="en-US" smtClean="0"/>
-              <a:t>2020/2/26</a:t>
+              <a:t>2020/2/27</a:t>
             </a:fld>
             <a:endParaRPr lang="zh-CN" altLang="en-US"/>
           </a:p>
@@ -460,7 +460,7 @@
           <a:p>
             <a:fld id="{54D8E8BF-6091-4187-9128-2A9871D362A1}" type="datetimeFigureOut">
               <a:rPr lang="zh-CN" altLang="en-US" smtClean="0"/>
-              <a:t>2020/2/26</a:t>
+              <a:t>2020/2/27</a:t>
             </a:fld>
             <a:endParaRPr lang="zh-CN" altLang="en-US"/>
           </a:p>
@@ -668,7 +668,7 @@
           <a:p>
             <a:fld id="{54D8E8BF-6091-4187-9128-2A9871D362A1}" type="datetimeFigureOut">
               <a:rPr lang="zh-CN" altLang="en-US" smtClean="0"/>
-              <a:t>2020/2/26</a:t>
+              <a:t>2020/2/27</a:t>
             </a:fld>
             <a:endParaRPr lang="zh-CN" altLang="en-US"/>
           </a:p>
@@ -866,7 +866,7 @@
           <a:p>
             <a:fld id="{54D8E8BF-6091-4187-9128-2A9871D362A1}" type="datetimeFigureOut">
               <a:rPr lang="zh-CN" altLang="en-US" smtClean="0"/>
-              <a:t>2020/2/26</a:t>
+              <a:t>2020/2/27</a:t>
             </a:fld>
             <a:endParaRPr lang="zh-CN" altLang="en-US"/>
           </a:p>
@@ -1141,7 +1141,7 @@
           <a:p>
             <a:fld id="{54D8E8BF-6091-4187-9128-2A9871D362A1}" type="datetimeFigureOut">
               <a:rPr lang="zh-CN" altLang="en-US" smtClean="0"/>
-              <a:t>2020/2/26</a:t>
+              <a:t>2020/2/27</a:t>
             </a:fld>
             <a:endParaRPr lang="zh-CN" altLang="en-US"/>
           </a:p>
@@ -1406,7 +1406,7 @@
           <a:p>
             <a:fld id="{54D8E8BF-6091-4187-9128-2A9871D362A1}" type="datetimeFigureOut">
               <a:rPr lang="zh-CN" altLang="en-US" smtClean="0"/>
-              <a:t>2020/2/26</a:t>
+              <a:t>2020/2/27</a:t>
             </a:fld>
             <a:endParaRPr lang="zh-CN" altLang="en-US"/>
           </a:p>
@@ -1818,7 +1818,7 @@
           <a:p>
             <a:fld id="{54D8E8BF-6091-4187-9128-2A9871D362A1}" type="datetimeFigureOut">
               <a:rPr lang="zh-CN" altLang="en-US" smtClean="0"/>
-              <a:t>2020/2/26</a:t>
+              <a:t>2020/2/27</a:t>
             </a:fld>
             <a:endParaRPr lang="zh-CN" altLang="en-US"/>
           </a:p>
@@ -1959,7 +1959,7 @@
           <a:p>
             <a:fld id="{54D8E8BF-6091-4187-9128-2A9871D362A1}" type="datetimeFigureOut">
               <a:rPr lang="zh-CN" altLang="en-US" smtClean="0"/>
-              <a:t>2020/2/26</a:t>
+              <a:t>2020/2/27</a:t>
             </a:fld>
             <a:endParaRPr lang="zh-CN" altLang="en-US"/>
           </a:p>
@@ -2072,7 +2072,7 @@
           <a:p>
             <a:fld id="{54D8E8BF-6091-4187-9128-2A9871D362A1}" type="datetimeFigureOut">
               <a:rPr lang="zh-CN" altLang="en-US" smtClean="0"/>
-              <a:t>2020/2/26</a:t>
+              <a:t>2020/2/27</a:t>
             </a:fld>
             <a:endParaRPr lang="zh-CN" altLang="en-US"/>
           </a:p>
@@ -2383,7 +2383,7 @@
           <a:p>
             <a:fld id="{54D8E8BF-6091-4187-9128-2A9871D362A1}" type="datetimeFigureOut">
               <a:rPr lang="zh-CN" altLang="en-US" smtClean="0"/>
-              <a:t>2020/2/26</a:t>
+              <a:t>2020/2/27</a:t>
             </a:fld>
             <a:endParaRPr lang="zh-CN" altLang="en-US"/>
           </a:p>
@@ -2671,7 +2671,7 @@
           <a:p>
             <a:fld id="{54D8E8BF-6091-4187-9128-2A9871D362A1}" type="datetimeFigureOut">
               <a:rPr lang="zh-CN" altLang="en-US" smtClean="0"/>
-              <a:t>2020/2/26</a:t>
+              <a:t>2020/2/27</a:t>
             </a:fld>
             <a:endParaRPr lang="zh-CN" altLang="en-US"/>
           </a:p>
@@ -2912,7 +2912,7 @@
           <a:p>
             <a:fld id="{54D8E8BF-6091-4187-9128-2A9871D362A1}" type="datetimeFigureOut">
               <a:rPr lang="zh-CN" altLang="en-US" smtClean="0"/>
-              <a:t>2020/2/26</a:t>
+              <a:t>2020/2/27</a:t>
             </a:fld>
             <a:endParaRPr lang="zh-CN" altLang="en-US"/>
           </a:p>
@@ -6909,7 +6909,7 @@
         <p:spPr>
           <a:xfrm flipV="1">
             <a:off x="7063230" y="3845160"/>
-            <a:ext cx="1437236" cy="311104"/>
+            <a:ext cx="1437237" cy="311104"/>
           </a:xfrm>
           <a:prstGeom prst="curvedConnector3">
             <a:avLst>
@@ -7264,8 +7264,8 @@
         </p:nvSpPr>
         <p:spPr>
           <a:xfrm>
-            <a:off x="8500466" y="3351180"/>
-            <a:ext cx="1350977" cy="987959"/>
+            <a:off x="8500467" y="3351180"/>
+            <a:ext cx="1246854" cy="987959"/>
           </a:xfrm>
           <a:prstGeom prst="plaque">
             <a:avLst/>
